--- a/Intro to Python/IntroPresentation.pptx
+++ b/Intro to Python/IntroPresentation.pptx
@@ -208,7 +208,7 @@
           <a:p>
             <a:fld id="{08CFCC02-43B6-1140-8197-8C10C084F446}" type="datetimeFigureOut">
               <a:rPr lang="en-US" smtClean="0"/>
-              <a:t>4/20/21</a:t>
+              <a:t>10/5/21</a:t>
             </a:fld>
             <a:endParaRPr lang="en-US"/>
           </a:p>
@@ -1059,7 +1059,7 @@
           <a:p>
             <a:fld id="{B5898F52-2787-4BA2-BBBC-9395E9F86D50}" type="datetimeFigureOut">
               <a:rPr lang="en-US" smtClean="0"/>
-              <a:t>4/20/21</a:t>
+              <a:t>10/5/21</a:t>
             </a:fld>
             <a:endParaRPr lang="en-US"/>
           </a:p>
@@ -1229,7 +1229,7 @@
           <a:p>
             <a:fld id="{B5898F52-2787-4BA2-BBBC-9395E9F86D50}" type="datetimeFigureOut">
               <a:rPr lang="en-US" smtClean="0"/>
-              <a:t>4/20/21</a:t>
+              <a:t>10/5/21</a:t>
             </a:fld>
             <a:endParaRPr lang="en-US"/>
           </a:p>
@@ -1409,7 +1409,7 @@
           <a:p>
             <a:fld id="{B5898F52-2787-4BA2-BBBC-9395E9F86D50}" type="datetimeFigureOut">
               <a:rPr lang="en-US" smtClean="0"/>
-              <a:t>4/20/21</a:t>
+              <a:t>10/5/21</a:t>
             </a:fld>
             <a:endParaRPr lang="en-US"/>
           </a:p>
@@ -1579,7 +1579,7 @@
           <a:p>
             <a:fld id="{B5898F52-2787-4BA2-BBBC-9395E9F86D50}" type="datetimeFigureOut">
               <a:rPr lang="en-US" smtClean="0"/>
-              <a:t>4/20/21</a:t>
+              <a:t>10/5/21</a:t>
             </a:fld>
             <a:endParaRPr lang="en-US"/>
           </a:p>
@@ -1847,7 +1847,7 @@
           <a:p>
             <a:fld id="{B5898F52-2787-4BA2-BBBC-9395E9F86D50}" type="datetimeFigureOut">
               <a:rPr lang="en-US" smtClean="0"/>
-              <a:t>4/20/21</a:t>
+              <a:t>10/5/21</a:t>
             </a:fld>
             <a:endParaRPr lang="en-US"/>
           </a:p>
@@ -2079,7 +2079,7 @@
           <a:p>
             <a:fld id="{B5898F52-2787-4BA2-BBBC-9395E9F86D50}" type="datetimeFigureOut">
               <a:rPr lang="en-US" smtClean="0"/>
-              <a:t>4/20/21</a:t>
+              <a:t>10/5/21</a:t>
             </a:fld>
             <a:endParaRPr lang="en-US"/>
           </a:p>
@@ -2435,7 +2435,7 @@
             <a:fld id="{B5898F52-2787-4BA2-BBBC-9395E9F86D50}" type="datetimeFigureOut">
               <a:rPr lang="en-US" smtClean="0"/>
               <a:pPr/>
-              <a:t>4/20/21</a:t>
+              <a:t>10/5/21</a:t>
             </a:fld>
             <a:endParaRPr lang="en-US" dirty="0"/>
           </a:p>
@@ -2577,7 +2577,7 @@
           <a:p>
             <a:fld id="{B5898F52-2787-4BA2-BBBC-9395E9F86D50}" type="datetimeFigureOut">
               <a:rPr lang="en-US" smtClean="0"/>
-              <a:t>4/20/21</a:t>
+              <a:t>10/5/21</a:t>
             </a:fld>
             <a:endParaRPr lang="en-US"/>
           </a:p>
@@ -2672,7 +2672,7 @@
           <a:p>
             <a:fld id="{B5898F52-2787-4BA2-BBBC-9395E9F86D50}" type="datetimeFigureOut">
               <a:rPr lang="en-US" smtClean="0"/>
-              <a:t>4/20/21</a:t>
+              <a:t>10/5/21</a:t>
             </a:fld>
             <a:endParaRPr lang="en-US"/>
           </a:p>
@@ -3029,7 +3029,7 @@
           <a:p>
             <a:fld id="{B5898F52-2787-4BA2-BBBC-9395E9F86D50}" type="datetimeFigureOut">
               <a:rPr lang="en-US" smtClean="0"/>
-              <a:t>4/20/21</a:t>
+              <a:t>10/5/21</a:t>
             </a:fld>
             <a:endParaRPr lang="en-US"/>
           </a:p>
@@ -3385,7 +3385,7 @@
           <a:p>
             <a:fld id="{B5898F52-2787-4BA2-BBBC-9395E9F86D50}" type="datetimeFigureOut">
               <a:rPr lang="en-US" smtClean="0"/>
-              <a:t>4/20/21</a:t>
+              <a:t>10/5/21</a:t>
             </a:fld>
             <a:endParaRPr lang="en-US"/>
           </a:p>
@@ -3626,7 +3626,7 @@
             <a:fld id="{B5898F52-2787-4BA2-BBBC-9395E9F86D50}" type="datetimeFigureOut">
               <a:rPr lang="en-US" smtClean="0"/>
               <a:pPr/>
-              <a:t>4/20/21</a:t>
+              <a:t>10/5/21</a:t>
             </a:fld>
             <a:endParaRPr lang="en-US" dirty="0"/>
           </a:p>
@@ -5087,9 +5087,14 @@
           <a:p>
             <a:pPr algn="ctr"/>
             <a:r>
-              <a:rPr lang="en-US" sz="4400" b="1" u="sng" dirty="0"/>
-              <a:t>Slack</a:t>
-            </a:r>
+              <a:rPr lang="en-US" sz="4400" dirty="0"/>
+              <a:t>Email: </a:t>
+            </a:r>
+            <a:r>
+              <a:rPr lang="en-US" sz="4400" dirty="0" err="1"/>
+              <a:t>sballstf@Liverpool.ac.uk</a:t>
+            </a:r>
+            <a:endParaRPr lang="en-US" sz="4400" dirty="0"/>
           </a:p>
           <a:p>
             <a:pPr algn="ctr"/>
@@ -5151,7 +5156,7 @@
                                         <p:tgtEl>
                                           <p:spTgt spid="13">
                                             <p:txEl>
-                                              <p:pRg st="0" end="0"/>
+                                              <p:pRg st="1" end="1"/>
                                             </p:txEl>
                                           </p:spTgt>
                                         </p:tgtEl>
@@ -5200,7 +5205,7 @@
                                         <p:tgtEl>
                                           <p:spTgt spid="13">
                                             <p:txEl>
-                                              <p:pRg st="1" end="1"/>
+                                              <p:pRg st="0" end="0"/>
                                             </p:txEl>
                                           </p:spTgt>
                                         </p:tgtEl>
@@ -7318,7 +7323,7 @@
           <a:p>
             <a:r>
               <a:rPr lang="en-US" sz="2800" dirty="0"/>
-              <a:t>Teaching Python for 5 years</a:t>
+              <a:t>Teaching Python for 6 years</a:t>
             </a:r>
           </a:p>
           <a:p>

--- a/Intro to Python/IntroPresentation.pptx
+++ b/Intro to Python/IntroPresentation.pptx
@@ -208,7 +208,7 @@
           <a:p>
             <a:fld id="{08CFCC02-43B6-1140-8197-8C10C084F446}" type="datetimeFigureOut">
               <a:rPr lang="en-US" smtClean="0"/>
-              <a:t>10/5/21</a:t>
+              <a:t>2/1/22</a:t>
             </a:fld>
             <a:endParaRPr lang="en-US"/>
           </a:p>
@@ -1059,7 +1059,7 @@
           <a:p>
             <a:fld id="{B5898F52-2787-4BA2-BBBC-9395E9F86D50}" type="datetimeFigureOut">
               <a:rPr lang="en-US" smtClean="0"/>
-              <a:t>10/5/21</a:t>
+              <a:t>2/1/22</a:t>
             </a:fld>
             <a:endParaRPr lang="en-US"/>
           </a:p>
@@ -1229,7 +1229,7 @@
           <a:p>
             <a:fld id="{B5898F52-2787-4BA2-BBBC-9395E9F86D50}" type="datetimeFigureOut">
               <a:rPr lang="en-US" smtClean="0"/>
-              <a:t>10/5/21</a:t>
+              <a:t>2/1/22</a:t>
             </a:fld>
             <a:endParaRPr lang="en-US"/>
           </a:p>
@@ -1409,7 +1409,7 @@
           <a:p>
             <a:fld id="{B5898F52-2787-4BA2-BBBC-9395E9F86D50}" type="datetimeFigureOut">
               <a:rPr lang="en-US" smtClean="0"/>
-              <a:t>10/5/21</a:t>
+              <a:t>2/1/22</a:t>
             </a:fld>
             <a:endParaRPr lang="en-US"/>
           </a:p>
@@ -1579,7 +1579,7 @@
           <a:p>
             <a:fld id="{B5898F52-2787-4BA2-BBBC-9395E9F86D50}" type="datetimeFigureOut">
               <a:rPr lang="en-US" smtClean="0"/>
-              <a:t>10/5/21</a:t>
+              <a:t>2/1/22</a:t>
             </a:fld>
             <a:endParaRPr lang="en-US"/>
           </a:p>
@@ -1847,7 +1847,7 @@
           <a:p>
             <a:fld id="{B5898F52-2787-4BA2-BBBC-9395E9F86D50}" type="datetimeFigureOut">
               <a:rPr lang="en-US" smtClean="0"/>
-              <a:t>10/5/21</a:t>
+              <a:t>2/1/22</a:t>
             </a:fld>
             <a:endParaRPr lang="en-US"/>
           </a:p>
@@ -2079,7 +2079,7 @@
           <a:p>
             <a:fld id="{B5898F52-2787-4BA2-BBBC-9395E9F86D50}" type="datetimeFigureOut">
               <a:rPr lang="en-US" smtClean="0"/>
-              <a:t>10/5/21</a:t>
+              <a:t>2/1/22</a:t>
             </a:fld>
             <a:endParaRPr lang="en-US"/>
           </a:p>
@@ -2435,7 +2435,7 @@
             <a:fld id="{B5898F52-2787-4BA2-BBBC-9395E9F86D50}" type="datetimeFigureOut">
               <a:rPr lang="en-US" smtClean="0"/>
               <a:pPr/>
-              <a:t>10/5/21</a:t>
+              <a:t>2/1/22</a:t>
             </a:fld>
             <a:endParaRPr lang="en-US" dirty="0"/>
           </a:p>
@@ -2577,7 +2577,7 @@
           <a:p>
             <a:fld id="{B5898F52-2787-4BA2-BBBC-9395E9F86D50}" type="datetimeFigureOut">
               <a:rPr lang="en-US" smtClean="0"/>
-              <a:t>10/5/21</a:t>
+              <a:t>2/1/22</a:t>
             </a:fld>
             <a:endParaRPr lang="en-US"/>
           </a:p>
@@ -2672,7 +2672,7 @@
           <a:p>
             <a:fld id="{B5898F52-2787-4BA2-BBBC-9395E9F86D50}" type="datetimeFigureOut">
               <a:rPr lang="en-US" smtClean="0"/>
-              <a:t>10/5/21</a:t>
+              <a:t>2/1/22</a:t>
             </a:fld>
             <a:endParaRPr lang="en-US"/>
           </a:p>
@@ -3029,7 +3029,7 @@
           <a:p>
             <a:fld id="{B5898F52-2787-4BA2-BBBC-9395E9F86D50}" type="datetimeFigureOut">
               <a:rPr lang="en-US" smtClean="0"/>
-              <a:t>10/5/21</a:t>
+              <a:t>2/1/22</a:t>
             </a:fld>
             <a:endParaRPr lang="en-US"/>
           </a:p>
@@ -3385,7 +3385,7 @@
           <a:p>
             <a:fld id="{B5898F52-2787-4BA2-BBBC-9395E9F86D50}" type="datetimeFigureOut">
               <a:rPr lang="en-US" smtClean="0"/>
-              <a:t>10/5/21</a:t>
+              <a:t>2/1/22</a:t>
             </a:fld>
             <a:endParaRPr lang="en-US"/>
           </a:p>
@@ -3626,7 +3626,7 @@
             <a:fld id="{B5898F52-2787-4BA2-BBBC-9395E9F86D50}" type="datetimeFigureOut">
               <a:rPr lang="en-US" smtClean="0"/>
               <a:pPr/>
-              <a:t>10/5/21</a:t>
+              <a:t>2/1/22</a:t>
             </a:fld>
             <a:endParaRPr lang="en-US" dirty="0"/>
           </a:p>
@@ -7323,7 +7323,7 @@
           <a:p>
             <a:r>
               <a:rPr lang="en-US" sz="2800" dirty="0"/>
-              <a:t>Teaching Python for 6 years</a:t>
+              <a:t>Teaching Python for 7 years</a:t>
             </a:r>
           </a:p>
           <a:p>
